--- a/Cipő projekt.pptx
+++ b/Cipő projekt.pptx
@@ -114,6 +114,11 @@
       </a:defRPr>
     </a:lvl9pPr>
   </p:defaultTextStyle>
+  <p:extLst>
+    <p:ext uri="{EFAFB233-063F-42B5-8137-9DF3F51BA10A}">
+      <p15:sldGuideLst xmlns:p15="http://schemas.microsoft.com/office/powerpoint/2012/main"/>
+    </p:ext>
+  </p:extLst>
 </p:presentation>
 </file>
 
@@ -217,6 +222,30 @@
                   <c:y val="2.4025414726898193E-2"/>
                 </c:manualLayout>
               </c:layout>
+              <c:tx>
+                <c:rich>
+                  <a:bodyPr rot="0" spcFirstLastPara="1" vertOverflow="ellipsis" vert="horz" wrap="square" lIns="38100" tIns="19050" rIns="38100" bIns="19050" anchor="ctr" anchorCtr="1">
+                    <a:spAutoFit/>
+                  </a:bodyPr>
+                  <a:lstStyle/>
+                  <a:p>
+                    <a:pPr>
+                      <a:defRPr sz="1330" b="1" i="0" u="none" strike="noStrike" kern="1200" spc="0" baseline="0">
+                        <a:solidFill>
+                          <a:schemeClr val="bg1"/>
+                        </a:solidFill>
+                        <a:latin typeface="+mn-lt"/>
+                        <a:ea typeface="+mn-ea"/>
+                        <a:cs typeface="+mn-cs"/>
+                      </a:defRPr>
+                    </a:pPr>
+                    <a:r>
+                      <a:rPr lang="en-US" dirty="0"/>
+                      <a:t>1.Nap</a:t>
+                    </a:r>
+                  </a:p>
+                </c:rich>
+              </c:tx>
               <c:spPr>
                 <a:noFill/>
                 <a:ln>
@@ -251,7 +280,9 @@
               <c:showPercent val="0"/>
               <c:showBubbleSize val="0"/>
               <c:extLst>
-                <c:ext xmlns:c15="http://schemas.microsoft.com/office/drawing/2012/chart" uri="{CE6537A1-D6FC-4f65-9D91-7224C49458BB}"/>
+                <c:ext xmlns:c15="http://schemas.microsoft.com/office/drawing/2012/chart" uri="{CE6537A1-D6FC-4f65-9D91-7224C49458BB}">
+                  <c15:showDataLabelsRange val="0"/>
+                </c:ext>
                 <c:ext xmlns:c16="http://schemas.microsoft.com/office/drawing/2014/chart" uri="{C3380CC4-5D6E-409C-BE32-E72D297353CC}">
                   <c16:uniqueId val="{00000002-835C-4D48-A9C0-93EB9E3BA9C0}"/>
                 </c:ext>
@@ -282,18 +313,14 @@
                         <a:cs typeface="+mn-cs"/>
                       </a:defRPr>
                     </a:pPr>
-                    <a:fld id="{F2657A08-2374-4056-BFAB-37C6127399AD}" type="CATEGORYNAME">
-                      <a:rPr lang="en-US">
+                    <a:r>
+                      <a:rPr lang="en-US" dirty="0">
                         <a:solidFill>
                           <a:schemeClr val="bg1"/>
                         </a:solidFill>
                       </a:rPr>
-                      <a:pPr>
-                        <a:defRPr/>
-                      </a:pPr>
-                      <a:t>[CATEGORY NAME]</a:t>
-                    </a:fld>
-                    <a:endParaRPr lang="hu-HU"/>
+                      <a:t>2.Nap</a:t>
+                    </a:r>
                   </a:p>
                 </c:rich>
               </c:tx>
@@ -313,7 +340,7 @@
                   <a:pPr>
                     <a:defRPr sz="1330" b="1" i="0" u="none" strike="noStrike" kern="1200" spc="0" baseline="0">
                       <a:solidFill>
-                        <a:schemeClr val="accent2"/>
+                        <a:schemeClr val="accent1"/>
                       </a:solidFill>
                       <a:latin typeface="+mn-lt"/>
                       <a:ea typeface="+mn-ea"/>
@@ -332,7 +359,6 @@
               <c:showBubbleSize val="0"/>
               <c:extLst>
                 <c:ext xmlns:c15="http://schemas.microsoft.com/office/drawing/2012/chart" uri="{CE6537A1-D6FC-4f65-9D91-7224C49458BB}">
-                  <c15:dlblFieldTable/>
                   <c15:showDataLabelsRange val="0"/>
                 </c:ext>
                 <c:ext xmlns:c16="http://schemas.microsoft.com/office/drawing/2014/chart" uri="{C3380CC4-5D6E-409C-BE32-E72D297353CC}">
@@ -340,6 +366,13 @@
                 </c:ext>
               </c:extLst>
             </c:dLbl>
+            <c:spPr>
+              <a:noFill/>
+              <a:ln>
+                <a:noFill/>
+              </a:ln>
+              <a:effectLst/>
+            </c:spPr>
             <c:dLblPos val="outEnd"/>
             <c:showLegendKey val="0"/>
             <c:showVal val="0"/>
@@ -555,6 +588,30 @@
                   <c:y val="2.4025414726898193E-2"/>
                 </c:manualLayout>
               </c:layout>
+              <c:tx>
+                <c:rich>
+                  <a:bodyPr rot="0" spcFirstLastPara="1" vertOverflow="ellipsis" vert="horz" wrap="square" lIns="38100" tIns="19050" rIns="38100" bIns="19050" anchor="ctr" anchorCtr="1">
+                    <a:spAutoFit/>
+                  </a:bodyPr>
+                  <a:lstStyle/>
+                  <a:p>
+                    <a:pPr>
+                      <a:defRPr sz="1330" b="1" i="0" u="none" strike="noStrike" kern="1200" spc="0" baseline="0">
+                        <a:solidFill>
+                          <a:schemeClr val="bg1"/>
+                        </a:solidFill>
+                        <a:latin typeface="+mn-lt"/>
+                        <a:ea typeface="+mn-ea"/>
+                        <a:cs typeface="+mn-cs"/>
+                      </a:defRPr>
+                    </a:pPr>
+                    <a:r>
+                      <a:rPr lang="en-US" dirty="0"/>
+                      <a:t>1.Nap</a:t>
+                    </a:r>
+                  </a:p>
+                </c:rich>
+              </c:tx>
               <c:spPr>
                 <a:noFill/>
                 <a:ln>
@@ -589,7 +646,9 @@
               <c:showPercent val="0"/>
               <c:showBubbleSize val="0"/>
               <c:extLst>
-                <c:ext xmlns:c15="http://schemas.microsoft.com/office/drawing/2012/chart" uri="{CE6537A1-D6FC-4f65-9D91-7224C49458BB}"/>
+                <c:ext xmlns:c15="http://schemas.microsoft.com/office/drawing/2012/chart" uri="{CE6537A1-D6FC-4f65-9D91-7224C49458BB}">
+                  <c15:showDataLabelsRange val="0"/>
+                </c:ext>
                 <c:ext xmlns:c16="http://schemas.microsoft.com/office/drawing/2014/chart" uri="{C3380CC4-5D6E-409C-BE32-E72D297353CC}">
                   <c16:uniqueId val="{00000001-3B2C-43F9-8C45-79F1DDD64B35}"/>
                 </c:ext>
@@ -620,22 +679,14 @@
                         <a:cs typeface="+mn-cs"/>
                       </a:defRPr>
                     </a:pPr>
-                    <a:fld id="{F2657A08-2374-4056-BFAB-37C6127399AD}" type="CATEGORYNAME">
-                      <a:rPr lang="en-US">
+                    <a:r>
+                      <a:rPr lang="en-US" dirty="0">
                         <a:solidFill>
                           <a:schemeClr val="bg1"/>
                         </a:solidFill>
                       </a:rPr>
-                      <a:pPr>
-                        <a:defRPr>
-                          <a:solidFill>
-                            <a:schemeClr val="accent1"/>
-                          </a:solidFill>
-                        </a:defRPr>
-                      </a:pPr>
-                      <a:t>[CATEGORY NAME]</a:t>
-                    </a:fld>
-                    <a:endParaRPr lang="hu-HU"/>
+                      <a:t>2.Nap</a:t>
+                    </a:r>
                   </a:p>
                 </c:rich>
               </c:tx>
@@ -674,7 +725,6 @@
               <c:showBubbleSize val="0"/>
               <c:extLst>
                 <c:ext xmlns:c15="http://schemas.microsoft.com/office/drawing/2012/chart" uri="{CE6537A1-D6FC-4f65-9D91-7224C49458BB}">
-                  <c15:dlblFieldTable/>
                   <c15:showDataLabelsRange val="0"/>
                 </c:ext>
                 <c:ext xmlns:c16="http://schemas.microsoft.com/office/drawing/2014/chart" uri="{C3380CC4-5D6E-409C-BE32-E72D297353CC}">
@@ -904,6 +954,30 @@
                   <c:y val="2.4025414726898193E-2"/>
                 </c:manualLayout>
               </c:layout>
+              <c:tx>
+                <c:rich>
+                  <a:bodyPr rot="0" spcFirstLastPara="1" vertOverflow="ellipsis" vert="horz" wrap="square" lIns="38100" tIns="19050" rIns="38100" bIns="19050" anchor="ctr" anchorCtr="1">
+                    <a:spAutoFit/>
+                  </a:bodyPr>
+                  <a:lstStyle/>
+                  <a:p>
+                    <a:pPr>
+                      <a:defRPr sz="1330" b="1" i="0" u="none" strike="noStrike" kern="1200" spc="0" baseline="0">
+                        <a:solidFill>
+                          <a:schemeClr val="bg1"/>
+                        </a:solidFill>
+                        <a:latin typeface="+mn-lt"/>
+                        <a:ea typeface="+mn-ea"/>
+                        <a:cs typeface="+mn-cs"/>
+                      </a:defRPr>
+                    </a:pPr>
+                    <a:r>
+                      <a:rPr lang="en-US" dirty="0"/>
+                      <a:t>1.Nap</a:t>
+                    </a:r>
+                  </a:p>
+                </c:rich>
+              </c:tx>
               <c:spPr>
                 <a:noFill/>
                 <a:ln>
@@ -938,7 +1012,9 @@
               <c:showPercent val="0"/>
               <c:showBubbleSize val="0"/>
               <c:extLst>
-                <c:ext xmlns:c15="http://schemas.microsoft.com/office/drawing/2012/chart" uri="{CE6537A1-D6FC-4f65-9D91-7224C49458BB}"/>
+                <c:ext xmlns:c15="http://schemas.microsoft.com/office/drawing/2012/chart" uri="{CE6537A1-D6FC-4f65-9D91-7224C49458BB}">
+                  <c15:showDataLabelsRange val="0"/>
+                </c:ext>
                 <c:ext xmlns:c16="http://schemas.microsoft.com/office/drawing/2014/chart" uri="{C3380CC4-5D6E-409C-BE32-E72D297353CC}">
                   <c16:uniqueId val="{00000001-40E9-4E20-B3D1-9DCAD933E3FA}"/>
                 </c:ext>
@@ -969,22 +1045,15 @@
                         <a:cs typeface="+mn-cs"/>
                       </a:defRPr>
                     </a:pPr>
-                    <a:fld id="{F2657A08-2374-4056-BFAB-37C6127399AD}" type="CATEGORYNAME">
-                      <a:rPr lang="en-US">
+                    <a:r>
+                      <a:rPr lang="en-US" dirty="0">
                         <a:solidFill>
                           <a:schemeClr val="bg1"/>
                         </a:solidFill>
                       </a:rPr>
-                      <a:pPr>
-                        <a:defRPr>
-                          <a:solidFill>
-                            <a:schemeClr val="accent1"/>
-                          </a:solidFill>
-                        </a:defRPr>
-                      </a:pPr>
-                      <a:t>[CATEGORY NAME]</a:t>
-                    </a:fld>
-                    <a:endParaRPr lang="hu-HU"/>
+                      <a:t>2.Nap</a:t>
+                    </a:r>
+                    <a:endParaRPr lang="en-US" dirty="0"/>
                   </a:p>
                 </c:rich>
               </c:tx>
@@ -1023,7 +1092,6 @@
               <c:showBubbleSize val="0"/>
               <c:extLst>
                 <c:ext xmlns:c15="http://schemas.microsoft.com/office/drawing/2012/chart" uri="{CE6537A1-D6FC-4f65-9D91-7224C49458BB}">
-                  <c15:dlblFieldTable/>
                   <c15:showDataLabelsRange val="0"/>
                 </c:ext>
                 <c:ext xmlns:c16="http://schemas.microsoft.com/office/drawing/2014/chart" uri="{C3380CC4-5D6E-409C-BE32-E72D297353CC}">
@@ -2915,7 +2983,7 @@
           <a:p>
             <a:fld id="{4F3F74E0-C4CC-4337-A453-2C9B3EAE8E1F}" type="datetimeFigureOut">
               <a:rPr lang="hu-HU" smtClean="0"/>
-              <a:t>2025. márc. 15.</a:t>
+              <a:t>2025. márc. 16.</a:t>
             </a:fld>
             <a:endParaRPr lang="hu-HU"/>
           </a:p>
@@ -3332,7 +3400,7 @@
           <a:p>
             <a:fld id="{4052E320-8391-454F-9B5A-90E1F00243FD}" type="datetimeFigureOut">
               <a:rPr lang="hu-HU" smtClean="0"/>
-              <a:t>2025. márc. 15.</a:t>
+              <a:t>2025. márc. 16.</a:t>
             </a:fld>
             <a:endParaRPr lang="hu-HU"/>
           </a:p>
@@ -3532,7 +3600,7 @@
           <a:p>
             <a:fld id="{4052E320-8391-454F-9B5A-90E1F00243FD}" type="datetimeFigureOut">
               <a:rPr lang="hu-HU" smtClean="0"/>
-              <a:t>2025. márc. 15.</a:t>
+              <a:t>2025. márc. 16.</a:t>
             </a:fld>
             <a:endParaRPr lang="hu-HU"/>
           </a:p>
@@ -3742,7 +3810,7 @@
           <a:p>
             <a:fld id="{4052E320-8391-454F-9B5A-90E1F00243FD}" type="datetimeFigureOut">
               <a:rPr lang="hu-HU" smtClean="0"/>
-              <a:t>2025. márc. 15.</a:t>
+              <a:t>2025. márc. 16.</a:t>
             </a:fld>
             <a:endParaRPr lang="hu-HU"/>
           </a:p>
@@ -3942,7 +4010,7 @@
           <a:p>
             <a:fld id="{4052E320-8391-454F-9B5A-90E1F00243FD}" type="datetimeFigureOut">
               <a:rPr lang="hu-HU" smtClean="0"/>
-              <a:t>2025. márc. 15.</a:t>
+              <a:t>2025. márc. 16.</a:t>
             </a:fld>
             <a:endParaRPr lang="hu-HU"/>
           </a:p>
@@ -4218,7 +4286,7 @@
           <a:p>
             <a:fld id="{4052E320-8391-454F-9B5A-90E1F00243FD}" type="datetimeFigureOut">
               <a:rPr lang="hu-HU" smtClean="0"/>
-              <a:t>2025. márc. 15.</a:t>
+              <a:t>2025. márc. 16.</a:t>
             </a:fld>
             <a:endParaRPr lang="hu-HU"/>
           </a:p>
@@ -4486,7 +4554,7 @@
           <a:p>
             <a:fld id="{4052E320-8391-454F-9B5A-90E1F00243FD}" type="datetimeFigureOut">
               <a:rPr lang="hu-HU" smtClean="0"/>
-              <a:t>2025. márc. 15.</a:t>
+              <a:t>2025. márc. 16.</a:t>
             </a:fld>
             <a:endParaRPr lang="hu-HU"/>
           </a:p>
@@ -4901,7 +4969,7 @@
           <a:p>
             <a:fld id="{4052E320-8391-454F-9B5A-90E1F00243FD}" type="datetimeFigureOut">
               <a:rPr lang="hu-HU" smtClean="0"/>
-              <a:t>2025. márc. 15.</a:t>
+              <a:t>2025. márc. 16.</a:t>
             </a:fld>
             <a:endParaRPr lang="hu-HU"/>
           </a:p>
@@ -5043,7 +5111,7 @@
           <a:p>
             <a:fld id="{4052E320-8391-454F-9B5A-90E1F00243FD}" type="datetimeFigureOut">
               <a:rPr lang="hu-HU" smtClean="0"/>
-              <a:t>2025. márc. 15.</a:t>
+              <a:t>2025. márc. 16.</a:t>
             </a:fld>
             <a:endParaRPr lang="hu-HU"/>
           </a:p>
@@ -5156,7 +5224,7 @@
           <a:p>
             <a:fld id="{4052E320-8391-454F-9B5A-90E1F00243FD}" type="datetimeFigureOut">
               <a:rPr lang="hu-HU" smtClean="0"/>
-              <a:t>2025. márc. 15.</a:t>
+              <a:t>2025. márc. 16.</a:t>
             </a:fld>
             <a:endParaRPr lang="hu-HU"/>
           </a:p>
@@ -5469,7 +5537,7 @@
           <a:p>
             <a:fld id="{4052E320-8391-454F-9B5A-90E1F00243FD}" type="datetimeFigureOut">
               <a:rPr lang="hu-HU" smtClean="0"/>
-              <a:t>2025. márc. 15.</a:t>
+              <a:t>2025. márc. 16.</a:t>
             </a:fld>
             <a:endParaRPr lang="hu-HU"/>
           </a:p>
@@ -5758,7 +5826,7 @@
           <a:p>
             <a:fld id="{4052E320-8391-454F-9B5A-90E1F00243FD}" type="datetimeFigureOut">
               <a:rPr lang="hu-HU" smtClean="0"/>
-              <a:t>2025. márc. 15.</a:t>
+              <a:t>2025. márc. 16.</a:t>
             </a:fld>
             <a:endParaRPr lang="hu-HU"/>
           </a:p>
@@ -6001,7 +6069,7 @@
           <a:p>
             <a:fld id="{4052E320-8391-454F-9B5A-90E1F00243FD}" type="datetimeFigureOut">
               <a:rPr lang="hu-HU" smtClean="0"/>
-              <a:t>2025. márc. 15.</a:t>
+              <a:t>2025. márc. 16.</a:t>
             </a:fld>
             <a:endParaRPr lang="hu-HU"/>
           </a:p>
@@ -6960,13 +7028,13 @@
   <p:clrMapOvr>
     <a:masterClrMapping/>
   </p:clrMapOvr>
-  <mc:AlternateContent xmlns:mc="http://schemas.openxmlformats.org/markup-compatibility/2006">
-    <mc:Choice xmlns:p159="http://schemas.microsoft.com/office/powerpoint/2015/09/main" Requires="p159">
+  <mc:AlternateContent xmlns:mc="http://schemas.openxmlformats.org/markup-compatibility/2006" xmlns:p159="http://schemas.microsoft.com/office/powerpoint/2015/09/main">
+    <mc:Choice Requires="p159">
       <p:transition xmlns:p14="http://schemas.microsoft.com/office/powerpoint/2010/main" spd="slow" p14:dur="2000">
         <p159:morph option="byObject"/>
       </p:transition>
     </mc:Choice>
-    <mc:Fallback>
+    <mc:Fallback xmlns="">
       <p:transition spd="slow">
         <p:fade/>
       </p:transition>
@@ -7868,13 +7936,13 @@
   <p:clrMapOvr>
     <a:masterClrMapping/>
   </p:clrMapOvr>
-  <mc:AlternateContent xmlns:mc="http://schemas.openxmlformats.org/markup-compatibility/2006">
-    <mc:Choice xmlns:p159="http://schemas.microsoft.com/office/powerpoint/2015/09/main" Requires="p159">
+  <mc:AlternateContent xmlns:mc="http://schemas.openxmlformats.org/markup-compatibility/2006" xmlns:p159="http://schemas.microsoft.com/office/powerpoint/2015/09/main">
+    <mc:Choice Requires="p159">
       <p:transition xmlns:p14="http://schemas.microsoft.com/office/powerpoint/2010/main" spd="slow" p14:dur="2000">
         <p159:morph option="byObject"/>
       </p:transition>
     </mc:Choice>
-    <mc:Fallback>
+    <mc:Fallback xmlns="">
       <p:transition spd="slow">
         <p:fade/>
       </p:transition>
@@ -8681,7 +8749,7 @@
           <p:nvPr>
             <p:extLst>
               <p:ext uri="{D42A27DB-BD31-4B8C-83A1-F6EECF244321}">
-                <p14:modId xmlns:p14="http://schemas.microsoft.com/office/powerpoint/2010/main" val="731636723"/>
+                <p14:modId xmlns:p14="http://schemas.microsoft.com/office/powerpoint/2010/main" val="3167699139"/>
               </p:ext>
             </p:extLst>
           </p:nvPr>
@@ -8706,13 +8774,13 @@
   <p:clrMapOvr>
     <a:masterClrMapping/>
   </p:clrMapOvr>
-  <mc:AlternateContent xmlns:mc="http://schemas.openxmlformats.org/markup-compatibility/2006">
-    <mc:Choice xmlns:p159="http://schemas.microsoft.com/office/powerpoint/2015/09/main" Requires="p159">
+  <mc:AlternateContent xmlns:mc="http://schemas.openxmlformats.org/markup-compatibility/2006" xmlns:p159="http://schemas.microsoft.com/office/powerpoint/2015/09/main">
+    <mc:Choice Requires="p159">
       <p:transition xmlns:p14="http://schemas.microsoft.com/office/powerpoint/2010/main" spd="slow" p14:dur="2000">
         <p159:morph option="byObject"/>
       </p:transition>
     </mc:Choice>
-    <mc:Fallback>
+    <mc:Fallback xmlns="">
       <p:transition spd="slow">
         <p:fade/>
       </p:transition>
@@ -9570,7 +9638,7 @@
           <p:nvPr>
             <p:extLst>
               <p:ext uri="{D42A27DB-BD31-4B8C-83A1-F6EECF244321}">
-                <p14:modId xmlns:p14="http://schemas.microsoft.com/office/powerpoint/2010/main" val="1829583437"/>
+                <p14:modId xmlns:p14="http://schemas.microsoft.com/office/powerpoint/2010/main" val="3298810440"/>
               </p:ext>
             </p:extLst>
           </p:nvPr>
@@ -9675,13 +9743,13 @@
   <p:clrMapOvr>
     <a:masterClrMapping/>
   </p:clrMapOvr>
-  <mc:AlternateContent xmlns:mc="http://schemas.openxmlformats.org/markup-compatibility/2006">
-    <mc:Choice xmlns:p159="http://schemas.microsoft.com/office/powerpoint/2015/09/main" Requires="p159">
+  <mc:AlternateContent xmlns:mc="http://schemas.openxmlformats.org/markup-compatibility/2006" xmlns:p159="http://schemas.microsoft.com/office/powerpoint/2015/09/main">
+    <mc:Choice Requires="p159">
       <p:transition xmlns:p14="http://schemas.microsoft.com/office/powerpoint/2010/main" spd="slow" p14:dur="2000">
         <p159:morph option="byObject"/>
       </p:transition>
     </mc:Choice>
-    <mc:Fallback>
+    <mc:Fallback xmlns="">
       <p:transition spd="slow">
         <p:fade/>
       </p:transition>
@@ -10483,7 +10551,7 @@
           <p:nvPr>
             <p:extLst>
               <p:ext uri="{D42A27DB-BD31-4B8C-83A1-F6EECF244321}">
-                <p14:modId xmlns:p14="http://schemas.microsoft.com/office/powerpoint/2010/main" val="186093153"/>
+                <p14:modId xmlns:p14="http://schemas.microsoft.com/office/powerpoint/2010/main" val="1967777602"/>
               </p:ext>
             </p:extLst>
           </p:nvPr>
@@ -10569,13 +10637,13 @@
   <p:clrMapOvr>
     <a:masterClrMapping/>
   </p:clrMapOvr>
-  <mc:AlternateContent xmlns:mc="http://schemas.openxmlformats.org/markup-compatibility/2006">
-    <mc:Choice xmlns:p159="http://schemas.microsoft.com/office/powerpoint/2015/09/main" Requires="p159">
+  <mc:AlternateContent xmlns:mc="http://schemas.openxmlformats.org/markup-compatibility/2006" xmlns:p159="http://schemas.microsoft.com/office/powerpoint/2015/09/main">
+    <mc:Choice Requires="p159">
       <p:transition xmlns:p14="http://schemas.microsoft.com/office/powerpoint/2010/main" spd="slow" p14:dur="2000">
         <p159:morph option="byObject"/>
       </p:transition>
     </mc:Choice>
-    <mc:Fallback>
+    <mc:Fallback xmlns="">
       <p:transition spd="slow">
         <p:fade/>
       </p:transition>
@@ -11783,13 +11851,13 @@
   <p:clrMapOvr>
     <a:masterClrMapping/>
   </p:clrMapOvr>
-  <mc:AlternateContent xmlns:mc="http://schemas.openxmlformats.org/markup-compatibility/2006">
-    <mc:Choice xmlns:p159="http://schemas.microsoft.com/office/powerpoint/2015/09/main" Requires="p159">
+  <mc:AlternateContent xmlns:mc="http://schemas.openxmlformats.org/markup-compatibility/2006" xmlns:p159="http://schemas.microsoft.com/office/powerpoint/2015/09/main">
+    <mc:Choice Requires="p159">
       <p:transition xmlns:p14="http://schemas.microsoft.com/office/powerpoint/2010/main" spd="slow" p14:dur="2000">
         <p159:morph option="byObject"/>
       </p:transition>
     </mc:Choice>
-    <mc:Fallback>
+    <mc:Fallback xmlns="">
       <p:transition spd="slow">
         <p:fade/>
       </p:transition>
@@ -12943,13 +13011,13 @@
   <p:clrMapOvr>
     <a:masterClrMapping/>
   </p:clrMapOvr>
-  <mc:AlternateContent xmlns:mc="http://schemas.openxmlformats.org/markup-compatibility/2006">
-    <mc:Choice xmlns:p159="http://schemas.microsoft.com/office/powerpoint/2015/09/main" Requires="p159">
+  <mc:AlternateContent xmlns:mc="http://schemas.openxmlformats.org/markup-compatibility/2006" xmlns:p159="http://schemas.microsoft.com/office/powerpoint/2015/09/main">
+    <mc:Choice Requires="p159">
       <p:transition xmlns:p14="http://schemas.microsoft.com/office/powerpoint/2010/main" spd="slow" p14:dur="2000">
         <p159:morph option="byObject"/>
       </p:transition>
     </mc:Choice>
-    <mc:Fallback>
+    <mc:Fallback xmlns="">
       <p:transition spd="slow">
         <p:fade/>
       </p:transition>
@@ -13479,13 +13547,13 @@
   <p:clrMapOvr>
     <a:masterClrMapping/>
   </p:clrMapOvr>
-  <mc:AlternateContent xmlns:mc="http://schemas.openxmlformats.org/markup-compatibility/2006">
-    <mc:Choice xmlns:p159="http://schemas.microsoft.com/office/powerpoint/2015/09/main" Requires="p159">
+  <mc:AlternateContent xmlns:mc="http://schemas.openxmlformats.org/markup-compatibility/2006" xmlns:p159="http://schemas.microsoft.com/office/powerpoint/2015/09/main">
+    <mc:Choice Requires="p159">
       <p:transition xmlns:p14="http://schemas.microsoft.com/office/powerpoint/2010/main" spd="slow" p14:dur="2000">
         <p159:morph option="byObject"/>
       </p:transition>
     </mc:Choice>
-    <mc:Fallback>
+    <mc:Fallback xmlns="">
       <p:transition spd="slow">
         <p:fade/>
       </p:transition>
